--- a/pitchdeck.pptx
+++ b/pitchdeck.pptx
@@ -2569,7 +2569,7 @@
           <a:p>
             <a:fld id="{1D6DE1C7-D3F2-4C46-B107-F0D4606DFA4D}" type="datetimeFigureOut">
               <a:rPr lang="en-US" smtClean="0"/>
-              <a:t>1/1/2018</a:t>
+              <a:t>1/3/2018</a:t>
             </a:fld>
             <a:endParaRPr lang="en-US"/>
           </a:p>
@@ -4028,7 +4028,7 @@
           <a:p>
             <a:fld id="{1D6DE1C7-D3F2-4C46-B107-F0D4606DFA4D}" type="datetimeFigureOut">
               <a:rPr lang="en-US" smtClean="0"/>
-              <a:t>1/1/2018</a:t>
+              <a:t>1/3/2018</a:t>
             </a:fld>
             <a:endParaRPr lang="en-US"/>
           </a:p>
@@ -5481,7 +5481,7 @@
           <a:p>
             <a:fld id="{1D6DE1C7-D3F2-4C46-B107-F0D4606DFA4D}" type="datetimeFigureOut">
               <a:rPr lang="en-US" smtClean="0"/>
-              <a:t>1/1/2018</a:t>
+              <a:t>1/3/2018</a:t>
             </a:fld>
             <a:endParaRPr lang="en-US"/>
           </a:p>
@@ -6936,7 +6936,7 @@
           <a:p>
             <a:fld id="{1D6DE1C7-D3F2-4C46-B107-F0D4606DFA4D}" type="datetimeFigureOut">
               <a:rPr lang="en-US" smtClean="0"/>
-              <a:t>1/1/2018</a:t>
+              <a:t>1/3/2018</a:t>
             </a:fld>
             <a:endParaRPr lang="en-US"/>
           </a:p>
@@ -8444,7 +8444,7 @@
           <a:p>
             <a:fld id="{1D6DE1C7-D3F2-4C46-B107-F0D4606DFA4D}" type="datetimeFigureOut">
               <a:rPr lang="en-US" smtClean="0"/>
-              <a:t>1/1/2018</a:t>
+              <a:t>1/3/2018</a:t>
             </a:fld>
             <a:endParaRPr lang="en-US"/>
           </a:p>
@@ -9965,7 +9965,7 @@
           <a:p>
             <a:fld id="{1D6DE1C7-D3F2-4C46-B107-F0D4606DFA4D}" type="datetimeFigureOut">
               <a:rPr lang="en-US" smtClean="0"/>
-              <a:t>1/1/2018</a:t>
+              <a:t>1/3/2018</a:t>
             </a:fld>
             <a:endParaRPr lang="en-US"/>
           </a:p>
@@ -11630,7 +11630,7 @@
           <a:p>
             <a:fld id="{1D6DE1C7-D3F2-4C46-B107-F0D4606DFA4D}" type="datetimeFigureOut">
               <a:rPr lang="en-US" smtClean="0"/>
-              <a:t>1/1/2018</a:t>
+              <a:t>1/3/2018</a:t>
             </a:fld>
             <a:endParaRPr lang="en-US"/>
           </a:p>
@@ -13028,7 +13028,7 @@
           <a:p>
             <a:fld id="{1D6DE1C7-D3F2-4C46-B107-F0D4606DFA4D}" type="datetimeFigureOut">
               <a:rPr lang="en-US" smtClean="0"/>
-              <a:t>1/1/2018</a:t>
+              <a:t>1/3/2018</a:t>
             </a:fld>
             <a:endParaRPr lang="en-US"/>
           </a:p>
@@ -13128,7 +13128,7 @@
           <a:p>
             <a:fld id="{1D6DE1C7-D3F2-4C46-B107-F0D4606DFA4D}" type="datetimeFigureOut">
               <a:rPr lang="en-US" smtClean="0"/>
-              <a:t>1/1/2018</a:t>
+              <a:t>1/3/2018</a:t>
             </a:fld>
             <a:endParaRPr lang="en-US"/>
           </a:p>
@@ -14654,7 +14654,7 @@
           <a:p>
             <a:fld id="{1D6DE1C7-D3F2-4C46-B107-F0D4606DFA4D}" type="datetimeFigureOut">
               <a:rPr lang="en-US" smtClean="0"/>
-              <a:t>1/1/2018</a:t>
+              <a:t>1/3/2018</a:t>
             </a:fld>
             <a:endParaRPr lang="en-US"/>
           </a:p>
@@ -16190,7 +16190,7 @@
           <a:p>
             <a:fld id="{1D6DE1C7-D3F2-4C46-B107-F0D4606DFA4D}" type="datetimeFigureOut">
               <a:rPr lang="en-US" smtClean="0"/>
-              <a:t>1/1/2018</a:t>
+              <a:t>1/3/2018</a:t>
             </a:fld>
             <a:endParaRPr lang="en-US"/>
           </a:p>
@@ -16440,7 +16440,7 @@
           <a:p>
             <a:fld id="{1D6DE1C7-D3F2-4C46-B107-F0D4606DFA4D}" type="datetimeFigureOut">
               <a:rPr lang="en-US" smtClean="0"/>
-              <a:t>1/1/2018</a:t>
+              <a:t>1/3/2018</a:t>
             </a:fld>
             <a:endParaRPr lang="en-US"/>
           </a:p>
@@ -16931,7 +16931,7 @@
         </p:nvSpPr>
         <p:spPr>
           <a:xfrm>
-            <a:off x="5586227" y="3987410"/>
+            <a:off x="4992114" y="7198442"/>
             <a:ext cx="1320031" cy="434180"/>
           </a:xfrm>
         </p:spPr>
@@ -16942,73 +16942,14 @@
           <a:lstStyle/>
           <a:p>
             <a:pPr algn="ctr"/>
-            <a:r>
-              <a:rPr lang="en-US" dirty="0">
-                <a:solidFill>
-                  <a:schemeClr val="tx1">
-                    <a:lumMod val="75000"/>
-                    <a:lumOff val="25000"/>
-                  </a:schemeClr>
-                </a:solidFill>
-              </a:rPr>
-              <a:t>Your Logo</a:t>
-            </a:r>
-          </a:p>
-        </p:txBody>
-      </p:sp>
-      <p:sp>
-        <p:nvSpPr>
-          <p:cNvPr id="4" name="Oval 3"/>
-          <p:cNvSpPr/>
-          <p:nvPr/>
-        </p:nvSpPr>
-        <p:spPr>
-          <a:xfrm>
-            <a:off x="5351340" y="3987410"/>
-            <a:ext cx="300790" cy="300790"/>
-          </a:xfrm>
-          <a:prstGeom prst="ellipse">
-            <a:avLst/>
-          </a:prstGeom>
-          <a:solidFill>
-            <a:schemeClr val="accent1">
-              <a:lumMod val="40000"/>
-              <a:lumOff val="60000"/>
-            </a:schemeClr>
-          </a:solidFill>
-          <a:ln>
-            <a:solidFill>
-              <a:schemeClr val="accent1">
-                <a:lumMod val="75000"/>
-              </a:schemeClr>
-            </a:solidFill>
-          </a:ln>
-        </p:spPr>
-        <p:style>
-          <a:lnRef idx="2">
-            <a:schemeClr val="accent1">
-              <a:shade val="50000"/>
-            </a:schemeClr>
-          </a:lnRef>
-          <a:fillRef idx="1">
-            <a:schemeClr val="accent1"/>
-          </a:fillRef>
-          <a:effectRef idx="0">
-            <a:schemeClr val="accent1"/>
-          </a:effectRef>
-          <a:fontRef idx="minor">
-            <a:schemeClr val="lt1"/>
-          </a:fontRef>
-        </p:style>
-        <p:txBody>
-          <a:bodyPr rtlCol="0" anchor="ctr"/>
-          <a:lstStyle/>
-          <a:p>
-            <a:pPr algn="ctr"/>
-            <a:r>
-              <a:rPr lang="en-US" dirty="0"/>
-              <a:t> </a:t>
-            </a:r>
+            <a:endParaRPr lang="en-US" dirty="0">
+              <a:solidFill>
+                <a:schemeClr val="tx1">
+                  <a:lumMod val="75000"/>
+                  <a:lumOff val="25000"/>
+                </a:schemeClr>
+              </a:solidFill>
+            </a:endParaRPr>
           </a:p>
         </p:txBody>
       </p:sp>
@@ -17042,42 +16983,6 @@
           <a:xfrm>
             <a:off x="3949211" y="358272"/>
             <a:ext cx="4293578" cy="1498941"/>
-          </a:xfrm>
-          <a:prstGeom prst="rect">
-            <a:avLst/>
-          </a:prstGeom>
-        </p:spPr>
-      </p:pic>
-      <p:pic>
-        <p:nvPicPr>
-          <p:cNvPr id="8" name="Picture 7">
-            <a:extLst>
-              <a:ext uri="{FF2B5EF4-FFF2-40B4-BE49-F238E27FC236}">
-                <a16:creationId xmlns:a16="http://schemas.microsoft.com/office/drawing/2014/main" id="{E04983A3-DDEC-43C3-902C-EFFC161E2397}"/>
-              </a:ext>
-            </a:extLst>
-          </p:cNvPr>
-          <p:cNvPicPr>
-            <a:picLocks noChangeAspect="1"/>
-          </p:cNvPicPr>
-          <p:nvPr/>
-        </p:nvPicPr>
-        <p:blipFill>
-          <a:blip r:embed="rId3">
-            <a:extLst>
-              <a:ext uri="{28A0092B-C50C-407E-A947-70E740481C1C}">
-                <a14:useLocalDpi xmlns:a14="http://schemas.microsoft.com/office/drawing/2010/main" val="0"/>
-              </a:ext>
-            </a:extLst>
-          </a:blip>
-          <a:stretch>
-            <a:fillRect/>
-          </a:stretch>
-        </p:blipFill>
-        <p:spPr>
-          <a:xfrm>
-            <a:off x="5663027" y="3704985"/>
-            <a:ext cx="1166429" cy="1166429"/>
           </a:xfrm>
           <a:prstGeom prst="rect">
             <a:avLst/>
